--- a/SharePoint-Security.pptx
+++ b/SharePoint-Security.pptx
@@ -1080,7 +1080,7 @@
         <a:p>
           <a:r>
             <a:rPr lang="en-AU" dirty="0"/>
-            <a:t>Rarely used as intended – HR Processes, travel portals, service account password storage, etc’</a:t>
+            <a:t>Rarely used as intended – HR Processes, travel portals, service account password storage, etc.</a:t>
           </a:r>
           <a:endParaRPr lang="en-US" dirty="0"/>
         </a:p>
@@ -1423,7 +1423,7 @@
           </a:pPr>
           <a:r>
             <a:rPr lang="en-AU" sz="2200" kern="1200" dirty="0"/>
-            <a:t>Rarely used as intended – HR Processes, travel portals, service account password storage, etc’</a:t>
+            <a:t>Rarely used as intended – HR Processes, travel portals, service account password storage, etc.</a:t>
           </a:r>
           <a:endParaRPr lang="en-US" sz="2200" kern="1200" dirty="0"/>
         </a:p>
@@ -2877,7 +2877,7 @@
           <a:p>
             <a:fld id="{2BE99708-4B3D-43DE-A633-E0AC87F60976}" type="datetimeFigureOut">
               <a:rPr lang="en-AU" smtClean="0"/>
-              <a:t>11/04/2018</a:t>
+              <a:t>12/04/2018</a:t>
             </a:fld>
             <a:endParaRPr lang="en-AU"/>
           </a:p>
@@ -4399,7 +4399,7 @@
             <a:fld id="{B61BEF0D-F0BB-DE4B-95CE-6DB70DBA9567}" type="datetimeFigureOut">
               <a:rPr lang="en-US" dirty="0"/>
               <a:pPr/>
-              <a:t>4/11/2018</a:t>
+              <a:t>4/12/2018</a:t>
             </a:fld>
             <a:endParaRPr lang="en-US" dirty="0"/>
           </a:p>
@@ -4658,7 +4658,7 @@
             <a:fld id="{B61BEF0D-F0BB-DE4B-95CE-6DB70DBA9567}" type="datetimeFigureOut">
               <a:rPr lang="en-US" dirty="0"/>
               <a:pPr/>
-              <a:t>4/11/2018</a:t>
+              <a:t>4/12/2018</a:t>
             </a:fld>
             <a:endParaRPr lang="en-US" dirty="0"/>
           </a:p>
@@ -4890,7 +4890,7 @@
             <a:fld id="{B61BEF0D-F0BB-DE4B-95CE-6DB70DBA9567}" type="datetimeFigureOut">
               <a:rPr lang="en-US" dirty="0"/>
               <a:pPr/>
-              <a:t>4/11/2018</a:t>
+              <a:t>4/12/2018</a:t>
             </a:fld>
             <a:endParaRPr lang="en-US" dirty="0"/>
           </a:p>
@@ -5127,7 +5127,7 @@
             <a:fld id="{B61BEF0D-F0BB-DE4B-95CE-6DB70DBA9567}" type="datetimeFigureOut">
               <a:rPr lang="en-US" dirty="0"/>
               <a:pPr/>
-              <a:t>4/11/2018</a:t>
+              <a:t>4/12/2018</a:t>
             </a:fld>
             <a:endParaRPr lang="en-US" dirty="0"/>
           </a:p>
@@ -5431,7 +5431,7 @@
             <a:fld id="{B61BEF0D-F0BB-DE4B-95CE-6DB70DBA9567}" type="datetimeFigureOut">
               <a:rPr lang="en-US" dirty="0"/>
               <a:pPr/>
-              <a:t>4/11/2018</a:t>
+              <a:t>4/12/2018</a:t>
             </a:fld>
             <a:endParaRPr lang="en-US" dirty="0"/>
           </a:p>
@@ -5730,7 +5730,7 @@
             <a:fld id="{B61BEF0D-F0BB-DE4B-95CE-6DB70DBA9567}" type="datetimeFigureOut">
               <a:rPr lang="en-US" dirty="0"/>
               <a:pPr/>
-              <a:t>4/11/2018</a:t>
+              <a:t>4/12/2018</a:t>
             </a:fld>
             <a:endParaRPr lang="en-US" dirty="0"/>
           </a:p>
@@ -6149,7 +6149,7 @@
             <a:fld id="{B61BEF0D-F0BB-DE4B-95CE-6DB70DBA9567}" type="datetimeFigureOut">
               <a:rPr lang="en-US" dirty="0"/>
               <a:pPr/>
-              <a:t>4/11/2018</a:t>
+              <a:t>4/12/2018</a:t>
             </a:fld>
             <a:endParaRPr lang="en-US" dirty="0"/>
           </a:p>
@@ -6308,7 +6308,7 @@
             <a:fld id="{B61BEF0D-F0BB-DE4B-95CE-6DB70DBA9567}" type="datetimeFigureOut">
               <a:rPr lang="en-US" dirty="0"/>
               <a:pPr/>
-              <a:t>4/11/2018</a:t>
+              <a:t>4/12/2018</a:t>
             </a:fld>
             <a:endParaRPr lang="en-US" dirty="0"/>
           </a:p>
@@ -6400,7 +6400,7 @@
             <a:fld id="{B61BEF0D-F0BB-DE4B-95CE-6DB70DBA9567}" type="datetimeFigureOut">
               <a:rPr lang="en-US" dirty="0"/>
               <a:pPr/>
-              <a:t>4/11/2018</a:t>
+              <a:t>4/12/2018</a:t>
             </a:fld>
             <a:endParaRPr lang="en-US" dirty="0"/>
           </a:p>
@@ -6775,7 +6775,7 @@
             <a:fld id="{B61BEF0D-F0BB-DE4B-95CE-6DB70DBA9567}" type="datetimeFigureOut">
               <a:rPr lang="en-US" dirty="0"/>
               <a:pPr/>
-              <a:t>4/11/2018</a:t>
+              <a:t>4/12/2018</a:t>
             </a:fld>
             <a:endParaRPr lang="en-US" dirty="0"/>
           </a:p>
@@ -7061,7 +7061,7 @@
             <a:fld id="{B61BEF0D-F0BB-DE4B-95CE-6DB70DBA9567}" type="datetimeFigureOut">
               <a:rPr lang="en-US" dirty="0"/>
               <a:pPr/>
-              <a:t>4/11/2018</a:t>
+              <a:t>4/12/2018</a:t>
             </a:fld>
             <a:endParaRPr lang="en-US" dirty="0"/>
           </a:p>
@@ -7269,7 +7269,7 @@
             <a:fld id="{B61BEF0D-F0BB-DE4B-95CE-6DB70DBA9567}" type="datetimeFigureOut">
               <a:rPr lang="en-US" dirty="0"/>
               <a:pPr/>
-              <a:t>4/11/2018</a:t>
+              <a:t>4/12/2018</a:t>
             </a:fld>
             <a:endParaRPr lang="en-US" dirty="0"/>
           </a:p>
@@ -8970,35 +8970,6 @@
           </a:fontRef>
         </p:style>
       </p:sp>
-      <p:pic>
-        <p:nvPicPr>
-          <p:cNvPr id="2" name="Picture 1">
-            <a:extLst>
-              <a:ext uri="{FF2B5EF4-FFF2-40B4-BE49-F238E27FC236}">
-                <a16:creationId xmlns:a16="http://schemas.microsoft.com/office/drawing/2014/main" id="{61331E1E-660B-4117-9D4B-D2E80877EBF4}"/>
-              </a:ext>
-            </a:extLst>
-          </p:cNvPr>
-          <p:cNvPicPr>
-            <a:picLocks noChangeAspect="1"/>
-          </p:cNvPicPr>
-          <p:nvPr/>
-        </p:nvPicPr>
-        <p:blipFill rotWithShape="1">
-          <a:blip r:embed="rId3"/>
-          <a:srcRect t="12374" r="-1" b="1945"/>
-          <a:stretch/>
-        </p:blipFill>
-        <p:spPr>
-          <a:xfrm>
-            <a:off x="451123" y="610997"/>
-            <a:ext cx="11292143" cy="5200321"/>
-          </a:xfrm>
-          <a:prstGeom prst="rect">
-            <a:avLst/>
-          </a:prstGeom>
-        </p:spPr>
-      </p:pic>
       <p:sp>
         <p:nvSpPr>
           <p:cNvPr id="3" name="TextBox 2">
@@ -9043,6 +9014,36 @@
           </a:p>
         </p:txBody>
       </p:sp>
+      <p:pic>
+        <p:nvPicPr>
+          <p:cNvPr id="4" name="Picture 3">
+            <a:extLst>
+              <a:ext uri="{FF2B5EF4-FFF2-40B4-BE49-F238E27FC236}">
+                <a16:creationId xmlns:a16="http://schemas.microsoft.com/office/drawing/2014/main" id="{28153D64-9BD4-4D40-95D7-F26EEB510316}"/>
+              </a:ext>
+            </a:extLst>
+          </p:cNvPr>
+          <p:cNvPicPr>
+            <a:picLocks noChangeAspect="1"/>
+          </p:cNvPicPr>
+          <p:nvPr/>
+        </p:nvPicPr>
+        <p:blipFill>
+          <a:blip r:embed="rId3"/>
+          <a:stretch>
+            <a:fillRect/>
+          </a:stretch>
+        </p:blipFill>
+        <p:spPr>
+          <a:xfrm>
+            <a:off x="538668" y="708451"/>
+            <a:ext cx="10914185" cy="5005412"/>
+          </a:xfrm>
+          <a:prstGeom prst="rect">
+            <a:avLst/>
+          </a:prstGeom>
+        </p:spPr>
+      </p:pic>
     </p:spTree>
     <p:extLst>
       <p:ext uri="{BB962C8B-B14F-4D97-AF65-F5344CB8AC3E}">
@@ -12166,7 +12167,7 @@
             <p:ph idx="1"/>
             <p:extLst>
               <p:ext uri="{D42A27DB-BD31-4B8C-83A1-F6EECF244321}">
-                <p14:modId xmlns:p14="http://schemas.microsoft.com/office/powerpoint/2010/main" val="2662009017"/>
+                <p14:modId xmlns:p14="http://schemas.microsoft.com/office/powerpoint/2010/main" val="1587023379"/>
               </p:ext>
             </p:extLst>
           </p:nvPr>
@@ -13314,10 +13315,10 @@
       </p:grpSpPr>
       <p:sp useBgFill="1">
         <p:nvSpPr>
-          <p:cNvPr id="10" name="Rectangle 9">
+          <p:cNvPr id="22" name="Rectangle 18">
             <a:extLst>
               <a:ext uri="{FF2B5EF4-FFF2-40B4-BE49-F238E27FC236}">
-                <a16:creationId xmlns:a16="http://schemas.microsoft.com/office/drawing/2014/main" id="{636F6DB7-CF8D-494A-82F6-13B58DCA9896}"/>
+                <a16:creationId xmlns:a16="http://schemas.microsoft.com/office/drawing/2014/main" id="{879A26B8-6C4E-452B-ADD3-ED324A7AB7E8}"/>
               </a:ext>
             </a:extLst>
           </p:cNvPr>
@@ -13334,8 +13335,8 @@
         </p:nvSpPr>
         <p:spPr>
           <a:xfrm>
-            <a:off x="0" y="614406"/>
-            <a:ext cx="12192000" cy="6243593"/>
+            <a:off x="0" y="0"/>
+            <a:ext cx="12192000" cy="6857999"/>
           </a:xfrm>
           <a:prstGeom prst="rect">
             <a:avLst/>
@@ -13371,10 +13372,10 @@
       </p:sp>
       <p:sp>
         <p:nvSpPr>
-          <p:cNvPr id="12" name="Rectangle 11">
+          <p:cNvPr id="21" name="Rectangle 20">
             <a:extLst>
               <a:ext uri="{FF2B5EF4-FFF2-40B4-BE49-F238E27FC236}">
-                <a16:creationId xmlns:a16="http://schemas.microsoft.com/office/drawing/2014/main" id="{0B7E5194-6E82-4A44-99C3-FE7D87F34134}"/>
+                <a16:creationId xmlns:a16="http://schemas.microsoft.com/office/drawing/2014/main" id="{9B4167E1-E2B0-4192-8DA2-6967DDFF87A5}"/>
               </a:ext>
             </a:extLst>
           </p:cNvPr>
@@ -13392,7 +13393,7 @@
         <p:spPr>
           <a:xfrm>
             <a:off x="442377" y="614407"/>
-            <a:ext cx="3707477" cy="5611772"/>
+            <a:ext cx="5609967" cy="5611772"/>
           </a:xfrm>
           <a:prstGeom prst="rect">
             <a:avLst/>
@@ -13422,10 +13423,10 @@
       </p:sp>
       <p:sp>
         <p:nvSpPr>
-          <p:cNvPr id="14" name="Rectangle 13">
+          <p:cNvPr id="23" name="Rectangle 22">
             <a:extLst>
               <a:ext uri="{FF2B5EF4-FFF2-40B4-BE49-F238E27FC236}">
-                <a16:creationId xmlns:a16="http://schemas.microsoft.com/office/drawing/2014/main" id="{880E5C91-3840-45CD-9550-682766315261}"/>
+                <a16:creationId xmlns:a16="http://schemas.microsoft.com/office/drawing/2014/main" id="{C5F09389-6A8E-46D6-B5F4-A3C55FAE62EA}"/>
               </a:ext>
             </a:extLst>
           </p:cNvPr>
@@ -13442,8 +13443,8 @@
         </p:nvSpPr>
         <p:spPr>
           <a:xfrm>
-            <a:off x="4245034" y="619125"/>
-            <a:ext cx="7499291" cy="5607054"/>
+            <a:off x="6144319" y="619125"/>
+            <a:ext cx="5600006" cy="5607054"/>
           </a:xfrm>
           <a:prstGeom prst="rect">
             <a:avLst/>
@@ -13511,14 +13512,116 @@
         </p:blipFill>
         <p:spPr>
           <a:xfrm>
-            <a:off x="5522103" y="948413"/>
-            <a:ext cx="4959900" cy="4959900"/>
+            <a:off x="6471493" y="960723"/>
+            <a:ext cx="4945656" cy="4945656"/>
           </a:xfrm>
           <a:prstGeom prst="rect">
             <a:avLst/>
           </a:prstGeom>
         </p:spPr>
       </p:pic>
+      <p:sp>
+        <p:nvSpPr>
+          <p:cNvPr id="25" name="Rectangle 24">
+            <a:extLst>
+              <a:ext uri="{FF2B5EF4-FFF2-40B4-BE49-F238E27FC236}">
+                <a16:creationId xmlns:a16="http://schemas.microsoft.com/office/drawing/2014/main" id="{D03E4FEE-2E6A-44AB-B6BA-C1AD0CD6D93B}"/>
+              </a:ext>
+            </a:extLst>
+          </p:cNvPr>
+          <p:cNvSpPr>
+            <a:spLocks noGrp="1" noRot="1" noChangeAspect="1" noMove="1" noResize="1" noEditPoints="1" noAdjustHandles="1" noChangeArrowheads="1" noChangeShapeType="1" noTextEdit="1"/>
+          </p:cNvSpPr>
+          <p:nvPr>
+            <p:extLst>
+              <p:ext uri="{386F3935-93C4-4BCD-93E2-E3B085C9AB24}">
+                <p16:designElem xmlns:p16="http://schemas.microsoft.com/office/powerpoint/2015/main" val="1"/>
+              </p:ext>
+            </p:extLst>
+          </p:nvPr>
+        </p:nvSpPr>
+        <p:spPr>
+          <a:xfrm>
+            <a:off x="446534" y="457200"/>
+            <a:ext cx="5605810" cy="94997"/>
+          </a:xfrm>
+          <a:prstGeom prst="rect">
+            <a:avLst/>
+          </a:prstGeom>
+          <a:solidFill>
+            <a:schemeClr val="accent1"/>
+          </a:solidFill>
+          <a:ln>
+            <a:noFill/>
+          </a:ln>
+          <a:effectLst/>
+        </p:spPr>
+        <p:style>
+          <a:lnRef idx="1">
+            <a:schemeClr val="accent1"/>
+          </a:lnRef>
+          <a:fillRef idx="3">
+            <a:schemeClr val="accent1"/>
+          </a:fillRef>
+          <a:effectRef idx="2">
+            <a:schemeClr val="accent1"/>
+          </a:effectRef>
+          <a:fontRef idx="minor">
+            <a:schemeClr val="lt1"/>
+          </a:fontRef>
+        </p:style>
+      </p:sp>
+      <p:sp>
+        <p:nvSpPr>
+          <p:cNvPr id="27" name="Rectangle 26">
+            <a:extLst>
+              <a:ext uri="{FF2B5EF4-FFF2-40B4-BE49-F238E27FC236}">
+                <a16:creationId xmlns:a16="http://schemas.microsoft.com/office/drawing/2014/main" id="{0817EB59-13B3-43DA-9B91-A7CC174A6069}"/>
+              </a:ext>
+            </a:extLst>
+          </p:cNvPr>
+          <p:cNvSpPr>
+            <a:spLocks noGrp="1" noRot="1" noChangeAspect="1" noMove="1" noResize="1" noEditPoints="1" noAdjustHandles="1" noChangeArrowheads="1" noChangeShapeType="1" noTextEdit="1"/>
+          </p:cNvSpPr>
+          <p:nvPr>
+            <p:extLst>
+              <p:ext uri="{386F3935-93C4-4BCD-93E2-E3B085C9AB24}">
+                <p16:designElem xmlns:p16="http://schemas.microsoft.com/office/powerpoint/2015/main" val="1"/>
+              </p:ext>
+            </p:extLst>
+          </p:nvPr>
+        </p:nvSpPr>
+        <p:spPr>
+          <a:xfrm>
+            <a:off x="6144318" y="457200"/>
+            <a:ext cx="5600007" cy="91440"/>
+          </a:xfrm>
+          <a:prstGeom prst="rect">
+            <a:avLst/>
+          </a:prstGeom>
+          <a:solidFill>
+            <a:schemeClr val="accent2"/>
+          </a:solidFill>
+          <a:ln>
+            <a:noFill/>
+          </a:ln>
+          <a:effectLst/>
+        </p:spPr>
+        <p:style>
+          <a:lnRef idx="1">
+            <a:schemeClr val="accent1"/>
+          </a:lnRef>
+          <a:fillRef idx="3">
+            <a:schemeClr val="accent1"/>
+          </a:fillRef>
+          <a:effectRef idx="2">
+            <a:schemeClr val="accent1"/>
+          </a:effectRef>
+          <a:fontRef idx="minor">
+            <a:schemeClr val="lt1"/>
+          </a:fontRef>
+        </p:style>
+      </p:sp>
       <p:sp>
         <p:nvSpPr>
           <p:cNvPr id="2" name="Title 1">
@@ -13537,8 +13640,8 @@
         </p:nvSpPr>
         <p:spPr>
           <a:xfrm>
-            <a:off x="764110" y="826346"/>
-            <a:ext cx="3171905" cy="1013800"/>
+            <a:off x="762121" y="960723"/>
+            <a:ext cx="4968489" cy="1013800"/>
           </a:xfrm>
         </p:spPr>
         <p:txBody>
@@ -13548,14 +13651,14 @@
           <a:lstStyle/>
           <a:p>
             <a:r>
-              <a:rPr lang="en-US" sz="2400">
+              <a:rPr lang="en-US">
                 <a:solidFill>
                   <a:srgbClr val="FFFFFF"/>
                 </a:solidFill>
               </a:rPr>
               <a:t>Test for yourself</a:t>
             </a:r>
-            <a:endParaRPr lang="en-AU" sz="2400">
+            <a:endParaRPr lang="en-AU">
               <a:solidFill>
                 <a:srgbClr val="FFFFFF"/>
               </a:solidFill>
@@ -13581,18 +13684,18 @@
         </p:nvSpPr>
         <p:spPr>
           <a:xfrm>
-            <a:off x="764110" y="2052084"/>
-            <a:ext cx="3033249" cy="3856229"/>
+            <a:off x="783387" y="2254102"/>
+            <a:ext cx="4947221" cy="3650344"/>
           </a:xfrm>
         </p:spPr>
         <p:txBody>
-          <a:bodyPr anchor="t">
+          <a:bodyPr>
             <a:normAutofit/>
           </a:bodyPr>
           <a:lstStyle/>
           <a:p>
             <a:r>
-              <a:rPr lang="en-AU" sz="1600" b="1" dirty="0">
+              <a:rPr lang="en-AU" b="1">
                 <a:solidFill>
                   <a:srgbClr val="FFFFFF"/>
                 </a:solidFill>
@@ -13600,24 +13703,51 @@
               <a:t>SharePoint 2013 virtual machine download</a:t>
             </a:r>
             <a:r>
-              <a:rPr lang="en-AU" sz="1600" dirty="0">
+              <a:rPr lang="en-AU">
                 <a:solidFill>
                   <a:srgbClr val="FFFFFF"/>
                 </a:solidFill>
               </a:rPr>
-              <a:t> https://gauravmahajan.net/2014/08/17/sharepoint-server-2013-sp1-virtual-machine-download/</a:t>
-            </a:r>
-          </a:p>
-          <a:p>
-            <a:endParaRPr lang="en-AU" sz="1600" dirty="0">
-              <a:solidFill>
-                <a:srgbClr val="FFFFFF"/>
-              </a:solidFill>
-            </a:endParaRPr>
-          </a:p>
-          <a:p>
-            <a:r>
-              <a:rPr lang="en-AU" sz="1600" b="1" dirty="0">
+              <a:t> </a:t>
+            </a:r>
+            <a:r>
+              <a:rPr lang="en-AU">
+                <a:solidFill>
+                  <a:srgbClr val="FFFFFF"/>
+                </a:solidFill>
+                <a:hlinkClick r:id="rId4"/>
+              </a:rPr>
+              <a:t>https://www.microsoft.com/en-us/evalcenter/evaluate-sharepoint-server-2013</a:t>
+            </a:r>
+            <a:r>
+              <a:rPr lang="en-AU">
+                <a:solidFill>
+                  <a:srgbClr val="FFFFFF"/>
+                </a:solidFill>
+              </a:rPr>
+              <a:t> or </a:t>
+            </a:r>
+            <a:r>
+              <a:rPr lang="en-AU">
+                <a:solidFill>
+                  <a:srgbClr val="FFFFFF"/>
+                </a:solidFill>
+                <a:hlinkClick r:id="rId5"/>
+              </a:rPr>
+              <a:t>https://azuremarketplace.microsoft.com/en-us/marketplace/apps/Microsoft.SharePointServer2013Trial?tab=Overview</a:t>
+            </a:r>
+            <a:r>
+              <a:rPr lang="en-AU">
+                <a:solidFill>
+                  <a:srgbClr val="FFFFFF"/>
+                </a:solidFill>
+              </a:rPr>
+              <a:t> </a:t>
+            </a:r>
+          </a:p>
+          <a:p>
+            <a:r>
+              <a:rPr lang="en-AU" b="1">
                 <a:solidFill>
                   <a:srgbClr val="FFFFFF"/>
                 </a:solidFill>
@@ -13625,13 +13755,77 @@
               <a:t>SharePoint 2016 virtual machine download</a:t>
             </a:r>
             <a:r>
-              <a:rPr lang="en-AU" sz="1600" dirty="0">
+              <a:rPr lang="en-AU">
                 <a:solidFill>
                   <a:srgbClr val="FFFFFF"/>
                 </a:solidFill>
               </a:rPr>
-              <a:t> https://gauravmahajan.net/2017/10/06/sharepoint-server-2016-virtual-machine-download/</a:t>
-            </a:r>
+              <a:t> </a:t>
+            </a:r>
+            <a:r>
+              <a:rPr lang="en-AU" u="sng">
+                <a:solidFill>
+                  <a:srgbClr val="FFFFFF"/>
+                </a:solidFill>
+                <a:hlinkClick r:id="rId6"/>
+              </a:rPr>
+              <a:t>https://www.microsoft.com/en-us/evalcenter/evaluate-sharepoint-server-2016</a:t>
+            </a:r>
+            <a:r>
+              <a:rPr lang="en-AU" u="sng">
+                <a:solidFill>
+                  <a:srgbClr val="FFFFFF"/>
+                </a:solidFill>
+              </a:rPr>
+              <a:t>  </a:t>
+            </a:r>
+            <a:r>
+              <a:rPr lang="en-AU">
+                <a:solidFill>
+                  <a:srgbClr val="FFFFFF"/>
+                </a:solidFill>
+              </a:rPr>
+              <a:t>or</a:t>
+            </a:r>
+            <a:r>
+              <a:rPr lang="en-AU" u="sng">
+                <a:solidFill>
+                  <a:srgbClr val="FFFFFF"/>
+                </a:solidFill>
+                <a:hlinkClick r:id="rId6"/>
+              </a:rPr>
+              <a:t> </a:t>
+            </a:r>
+            <a:r>
+              <a:rPr lang="en-AU" u="sng">
+                <a:solidFill>
+                  <a:srgbClr val="FFFFFF"/>
+                </a:solidFill>
+                <a:hlinkClick r:id="rId7"/>
+              </a:rPr>
+              <a:t>https://azuremarketplace.microsoft.com/en-us/marketplace/apps/Microsoft.SharePointServer2016Trial?tab=Overview</a:t>
+            </a:r>
+            <a:endParaRPr lang="en-US">
+              <a:solidFill>
+                <a:srgbClr val="FFFFFF"/>
+              </a:solidFill>
+              <a:hlinkClick r:id="rId7"/>
+            </a:endParaRPr>
+          </a:p>
+          <a:p>
+            <a:endParaRPr lang="en-US">
+              <a:solidFill>
+                <a:srgbClr val="FFFFFF"/>
+              </a:solidFill>
+              <a:hlinkClick r:id="rId6"/>
+            </a:endParaRPr>
+          </a:p>
+          <a:p>
+            <a:endParaRPr lang="en-AU">
+              <a:solidFill>
+                <a:srgbClr val="FFFFFF"/>
+              </a:solidFill>
+            </a:endParaRPr>
           </a:p>
         </p:txBody>
       </p:sp>
@@ -16164,7 +16358,7 @@
                   <a:srgbClr val="FFFFFF"/>
                 </a:solidFill>
               </a:rPr>
-              <a:t>Identifying these is key to finding areas where a permission model has broken, but there’s no easy means to do so directly in SharePoint</a:t>
+              <a:t>Identifying these is key to finding areas where a permission model has broken, but there’s no easy means to do so directly in SharePoint.</a:t>
             </a:r>
             <a:endParaRPr lang="en-AU" dirty="0">
               <a:solidFill>
@@ -17168,13 +17362,8 @@
             </a:r>
             <a:r>
               <a:rPr lang="en-AU" dirty="0"/>
-              <a:t> </a:t>
-            </a:r>
-            <a:r>
-              <a:rPr lang="en-AU" dirty="0" err="1"/>
-              <a:t>Disbaled</a:t>
-            </a:r>
-            <a:endParaRPr lang="en-AU" dirty="0"/>
+              <a:t> Disabled</a:t>
+            </a:r>
           </a:p>
           <a:p>
             <a:r>
